--- a/App Startup Template.pptx
+++ b/App Startup Template.pptx
@@ -223,7 +223,7 @@
           <a:p>
             <a:fld id="{0587AAE5-93A3-4FDF-AACB-1C73E1CD85CE}" type="datetimeFigureOut">
               <a:rPr lang="zh-CN" altLang="en-US" smtClean="0"/>
-              <a:t>2023/5/13</a:t>
+              <a:t>2023/5/15</a:t>
             </a:fld>
             <a:endParaRPr lang="zh-CN" altLang="en-US"/>
           </a:p>
@@ -2033,7 +2033,7 @@
           <a:p>
             <a:fld id="{FCF90F29-D7CF-4840-A571-C3F0C090C6D4}" type="datetimeFigureOut">
               <a:rPr lang="zh-CN" altLang="en-US" smtClean="0"/>
-              <a:t>2023/5/13</a:t>
+              <a:t>2023/5/15</a:t>
             </a:fld>
             <a:endParaRPr lang="zh-CN" altLang="en-US"/>
           </a:p>
@@ -2292,7 +2292,7 @@
           <a:p>
             <a:fld id="{FCF90F29-D7CF-4840-A571-C3F0C090C6D4}" type="datetimeFigureOut">
               <a:rPr lang="zh-CN" altLang="en-US" smtClean="0"/>
-              <a:t>2023/5/13</a:t>
+              <a:t>2023/5/15</a:t>
             </a:fld>
             <a:endParaRPr lang="zh-CN" altLang="en-US"/>
           </a:p>
@@ -2561,7 +2561,7 @@
           <a:p>
             <a:fld id="{FCF90F29-D7CF-4840-A571-C3F0C090C6D4}" type="datetimeFigureOut">
               <a:rPr lang="zh-CN" altLang="en-US" smtClean="0"/>
-              <a:t>2023/5/13</a:t>
+              <a:t>2023/5/15</a:t>
             </a:fld>
             <a:endParaRPr lang="zh-CN" altLang="en-US"/>
           </a:p>
@@ -3895,7 +3895,7 @@
           <a:p>
             <a:fld id="{FCF90F29-D7CF-4840-A571-C3F0C090C6D4}" type="datetimeFigureOut">
               <a:rPr lang="zh-CN" altLang="en-US" smtClean="0"/>
-              <a:t>2023/5/13</a:t>
+              <a:t>2023/5/15</a:t>
             </a:fld>
             <a:endParaRPr lang="zh-CN" altLang="en-US"/>
           </a:p>
@@ -4020,7 +4020,7 @@
           <a:p>
             <a:fld id="{FCF90F29-D7CF-4840-A571-C3F0C090C6D4}" type="datetimeFigureOut">
               <a:rPr lang="zh-CN" altLang="en-US" smtClean="0"/>
-              <a:t>2023/5/13</a:t>
+              <a:t>2023/5/15</a:t>
             </a:fld>
             <a:endParaRPr lang="zh-CN" altLang="en-US"/>
           </a:p>
@@ -4393,7 +4393,7 @@
           <a:p>
             <a:fld id="{FCF90F29-D7CF-4840-A571-C3F0C090C6D4}" type="datetimeFigureOut">
               <a:rPr lang="zh-CN" altLang="en-US" smtClean="0"/>
-              <a:t>2023/5/13</a:t>
+              <a:t>2023/5/15</a:t>
             </a:fld>
             <a:endParaRPr lang="zh-CN" altLang="en-US"/>
           </a:p>
@@ -4695,7 +4695,7 @@
           <a:p>
             <a:fld id="{FCF90F29-D7CF-4840-A571-C3F0C090C6D4}" type="datetimeFigureOut">
               <a:rPr lang="zh-CN" altLang="en-US" smtClean="0"/>
-              <a:t>2023/5/13</a:t>
+              <a:t>2023/5/15</a:t>
             </a:fld>
             <a:endParaRPr lang="zh-CN" altLang="en-US"/>
           </a:p>
@@ -5687,13 +5687,13 @@
   <p:clrMapOvr>
     <a:masterClrMapping/>
   </p:clrMapOvr>
-  <mc:AlternateContent xmlns:mc="http://schemas.openxmlformats.org/markup-compatibility/2006">
-    <mc:Choice xmlns:p14="http://schemas.microsoft.com/office/powerpoint/2010/main" Requires="p14">
+  <mc:AlternateContent xmlns:mc="http://schemas.openxmlformats.org/markup-compatibility/2006" xmlns:p14="http://schemas.microsoft.com/office/powerpoint/2010/main">
+    <mc:Choice Requires="p14">
       <p:transition spd="slow" p14:dur="1500">
         <p:random/>
       </p:transition>
     </mc:Choice>
-    <mc:Fallback>
+    <mc:Fallback xmlns="">
       <p:transition spd="slow">
         <p:random/>
       </p:transition>
@@ -6321,13 +6321,13 @@
   <p:clrMapOvr>
     <a:masterClrMapping/>
   </p:clrMapOvr>
-  <mc:AlternateContent xmlns:mc="http://schemas.openxmlformats.org/markup-compatibility/2006">
-    <mc:Choice xmlns:p14="http://schemas.microsoft.com/office/powerpoint/2010/main" Requires="p14">
+  <mc:AlternateContent xmlns:mc="http://schemas.openxmlformats.org/markup-compatibility/2006" xmlns:p14="http://schemas.microsoft.com/office/powerpoint/2010/main">
+    <mc:Choice Requires="p14">
       <p:transition spd="slow" p14:dur="1600">
         <p14:prism isInverted="1"/>
       </p:transition>
     </mc:Choice>
-    <mc:Fallback>
+    <mc:Fallback xmlns="">
       <p:transition spd="slow">
         <p:fade/>
       </p:transition>
@@ -6713,13 +6713,13 @@
   <p:clrMapOvr>
     <a:masterClrMapping/>
   </p:clrMapOvr>
-  <mc:AlternateContent xmlns:mc="http://schemas.openxmlformats.org/markup-compatibility/2006">
-    <mc:Choice xmlns:p14="http://schemas.microsoft.com/office/powerpoint/2010/main" Requires="p14">
+  <mc:AlternateContent xmlns:mc="http://schemas.openxmlformats.org/markup-compatibility/2006" xmlns:p14="http://schemas.microsoft.com/office/powerpoint/2010/main">
+    <mc:Choice Requires="p14">
       <p:transition spd="slow" p14:dur="1500">
         <p:random/>
       </p:transition>
     </mc:Choice>
-    <mc:Fallback>
+    <mc:Fallback xmlns="">
       <p:transition spd="slow">
         <p:random/>
       </p:transition>
@@ -7347,13 +7347,13 @@
   <p:clrMapOvr>
     <a:masterClrMapping/>
   </p:clrMapOvr>
-  <mc:AlternateContent xmlns:mc="http://schemas.openxmlformats.org/markup-compatibility/2006">
-    <mc:Choice xmlns:p14="http://schemas.microsoft.com/office/powerpoint/2010/main" Requires="p14">
+  <mc:AlternateContent xmlns:mc="http://schemas.openxmlformats.org/markup-compatibility/2006" xmlns:p14="http://schemas.microsoft.com/office/powerpoint/2010/main">
+    <mc:Choice Requires="p14">
       <p:transition spd="slow" p14:dur="1500">
         <p:random/>
       </p:transition>
     </mc:Choice>
-    <mc:Fallback>
+    <mc:Fallback xmlns="">
       <p:transition spd="slow">
         <p:random/>
       </p:transition>
@@ -7553,13 +7553,13 @@
   <p:clrMapOvr>
     <a:masterClrMapping/>
   </p:clrMapOvr>
-  <mc:AlternateContent xmlns:mc="http://schemas.openxmlformats.org/markup-compatibility/2006">
-    <mc:Choice xmlns:p14="http://schemas.microsoft.com/office/powerpoint/2010/main" Requires="p14">
+  <mc:AlternateContent xmlns:mc="http://schemas.openxmlformats.org/markup-compatibility/2006" xmlns:p14="http://schemas.microsoft.com/office/powerpoint/2010/main">
+    <mc:Choice Requires="p14">
       <p:transition spd="slow" p14:dur="1500">
         <p:random/>
       </p:transition>
     </mc:Choice>
-    <mc:Fallback>
+    <mc:Fallback xmlns="">
       <p:transition spd="slow">
         <p:random/>
       </p:transition>
@@ -8802,13 +8802,13 @@
   <p:clrMapOvr>
     <a:masterClrMapping/>
   </p:clrMapOvr>
-  <mc:AlternateContent xmlns:mc="http://schemas.openxmlformats.org/markup-compatibility/2006">
-    <mc:Choice xmlns:p14="http://schemas.microsoft.com/office/powerpoint/2010/main" Requires="p14">
+  <mc:AlternateContent xmlns:mc="http://schemas.openxmlformats.org/markup-compatibility/2006" xmlns:p14="http://schemas.microsoft.com/office/powerpoint/2010/main">
+    <mc:Choice Requires="p14">
       <p:transition spd="slow" p14:dur="1500">
         <p:random/>
       </p:transition>
     </mc:Choice>
-    <mc:Fallback>
+    <mc:Fallback xmlns="">
       <p:transition spd="slow">
         <p:random/>
       </p:transition>
@@ -9852,13 +9852,13 @@
   <p:clrMapOvr>
     <a:masterClrMapping/>
   </p:clrMapOvr>
-  <mc:AlternateContent xmlns:mc="http://schemas.openxmlformats.org/markup-compatibility/2006">
-    <mc:Choice xmlns:p14="http://schemas.microsoft.com/office/powerpoint/2010/main" Requires="p14">
+  <mc:AlternateContent xmlns:mc="http://schemas.openxmlformats.org/markup-compatibility/2006" xmlns:p14="http://schemas.microsoft.com/office/powerpoint/2010/main">
+    <mc:Choice Requires="p14">
       <p:transition spd="slow" p14:dur="1500">
         <p:random/>
       </p:transition>
     </mc:Choice>
-    <mc:Fallback>
+    <mc:Fallback xmlns="">
       <p:transition spd="slow">
         <p:random/>
       </p:transition>
@@ -12152,13 +12152,13 @@
   <p:clrMapOvr>
     <a:masterClrMapping/>
   </p:clrMapOvr>
-  <mc:AlternateContent xmlns:mc="http://schemas.openxmlformats.org/markup-compatibility/2006">
-    <mc:Choice xmlns:p14="http://schemas.microsoft.com/office/powerpoint/2010/main" Requires="p14">
+  <mc:AlternateContent xmlns:mc="http://schemas.openxmlformats.org/markup-compatibility/2006" xmlns:p14="http://schemas.microsoft.com/office/powerpoint/2010/main">
+    <mc:Choice Requires="p14">
       <p:transition spd="slow" p14:dur="1500">
         <p:random/>
       </p:transition>
     </mc:Choice>
-    <mc:Fallback>
+    <mc:Fallback xmlns="">
       <p:transition spd="slow">
         <p:random/>
       </p:transition>
@@ -15265,13 +15265,13 @@
   <p:clrMapOvr>
     <a:masterClrMapping/>
   </p:clrMapOvr>
-  <mc:AlternateContent xmlns:mc="http://schemas.openxmlformats.org/markup-compatibility/2006">
-    <mc:Choice xmlns:p14="http://schemas.microsoft.com/office/powerpoint/2010/main" Requires="p14">
+  <mc:AlternateContent xmlns:mc="http://schemas.openxmlformats.org/markup-compatibility/2006" xmlns:p14="http://schemas.microsoft.com/office/powerpoint/2010/main">
+    <mc:Choice Requires="p14">
       <p:transition spd="slow" p14:dur="1500">
         <p:random/>
       </p:transition>
     </mc:Choice>
-    <mc:Fallback>
+    <mc:Fallback xmlns="">
       <p:transition spd="slow">
         <p:random/>
       </p:transition>
@@ -21837,7 +21837,7 @@
               <a:lstStyle/>
               <a:p>
                 <a:pPr algn="ctr"/>
-                <a:endParaRPr lang="en-US" sz="3200">
+                <a:endParaRPr lang="en-US" sz="3200" dirty="0">
                   <a:latin typeface="Calibri Light" panose="020F0302020204030204" pitchFamily="34" charset="0"/>
                   <a:ea typeface="Roboto Light" panose="02000000000000000000" pitchFamily="2" charset="0"/>
                   <a:cs typeface="Calibri Light" panose="020F0302020204030204" pitchFamily="34" charset="0"/>
@@ -23489,13 +23489,13 @@
   <p:clrMapOvr>
     <a:masterClrMapping/>
   </p:clrMapOvr>
-  <mc:AlternateContent xmlns:mc="http://schemas.openxmlformats.org/markup-compatibility/2006">
-    <mc:Choice xmlns:p14="http://schemas.microsoft.com/office/powerpoint/2010/main" Requires="p14">
+  <mc:AlternateContent xmlns:mc="http://schemas.openxmlformats.org/markup-compatibility/2006" xmlns:p14="http://schemas.microsoft.com/office/powerpoint/2010/main">
+    <mc:Choice Requires="p14">
       <p:transition spd="slow" p14:dur="1500">
         <p:random/>
       </p:transition>
     </mc:Choice>
-    <mc:Fallback>
+    <mc:Fallback xmlns="">
       <p:transition spd="slow">
         <p:random/>
       </p:transition>
@@ -29079,13 +29079,13 @@
   <p:clrMapOvr>
     <a:masterClrMapping/>
   </p:clrMapOvr>
-  <mc:AlternateContent xmlns:mc="http://schemas.openxmlformats.org/markup-compatibility/2006">
-    <mc:Choice xmlns:p14="http://schemas.microsoft.com/office/powerpoint/2010/main" Requires="p14">
+  <mc:AlternateContent xmlns:mc="http://schemas.openxmlformats.org/markup-compatibility/2006" xmlns:p14="http://schemas.microsoft.com/office/powerpoint/2010/main">
+    <mc:Choice Requires="p14">
       <p:transition spd="slow" p14:dur="1500">
         <p:random/>
       </p:transition>
     </mc:Choice>
-    <mc:Fallback>
+    <mc:Fallback xmlns="">
       <p:transition spd="slow">
         <p:random/>
       </p:transition>
@@ -30701,13 +30701,13 @@
   <p:clrMapOvr>
     <a:masterClrMapping/>
   </p:clrMapOvr>
-  <mc:AlternateContent xmlns:mc="http://schemas.openxmlformats.org/markup-compatibility/2006">
-    <mc:Choice xmlns:p14="http://schemas.microsoft.com/office/powerpoint/2010/main" Requires="p14">
+  <mc:AlternateContent xmlns:mc="http://schemas.openxmlformats.org/markup-compatibility/2006" xmlns:p14="http://schemas.microsoft.com/office/powerpoint/2010/main">
+    <mc:Choice Requires="p14">
       <p:transition spd="slow" p14:dur="1500">
         <p:random/>
       </p:transition>
     </mc:Choice>
-    <mc:Fallback>
+    <mc:Fallback xmlns="">
       <p:transition spd="slow">
         <p:random/>
       </p:transition>
@@ -31159,13 +31159,13 @@
   <p:clrMapOvr>
     <a:masterClrMapping/>
   </p:clrMapOvr>
-  <mc:AlternateContent xmlns:mc="http://schemas.openxmlformats.org/markup-compatibility/2006">
-    <mc:Choice xmlns:p14="http://schemas.microsoft.com/office/powerpoint/2010/main" Requires="p14">
+  <mc:AlternateContent xmlns:mc="http://schemas.openxmlformats.org/markup-compatibility/2006" xmlns:p14="http://schemas.microsoft.com/office/powerpoint/2010/main">
+    <mc:Choice Requires="p14">
       <p:transition spd="slow" p14:dur="1500">
         <p:random/>
       </p:transition>
     </mc:Choice>
-    <mc:Fallback>
+    <mc:Fallback xmlns="">
       <p:transition spd="slow">
         <p:random/>
       </p:transition>
